--- a/Fig/非轴流状态.pptx
+++ b/Fig/非轴流状态.pptx
@@ -3200,19 +3200,19 @@
           <p:nvPr/>
         </p:nvGraphicFramePr>
         <p:xfrm>
-          <a:off x="619760" y="392430"/>
-          <a:ext cx="152400" cy="190500"/>
+          <a:off x="613410" y="392430"/>
+          <a:ext cx="165100" cy="190500"/>
         </p:xfrm>
         <a:graphic>
           <a:graphicData uri="http://schemas.openxmlformats.org/presentationml/2006/ole">
             <mc:AlternateContent xmlns:mc="http://schemas.openxmlformats.org/markup-compatibility/2006">
               <mc:Choice xmlns:v="urn:schemas-microsoft-com:vml" Requires="v">
-                <p:oleObj spid="_x0000_s78" name="" r:id="rId5" imgW="152400" imgH="190500" progId="DSEquations">
+                <p:oleObj spid="_x0000_s78" name="" r:id="rId5" imgW="165100" imgH="190500" progId="DSEquations">
                   <p:embed/>
                 </p:oleObj>
               </mc:Choice>
               <mc:Fallback>
-                <p:oleObj name="" r:id="rId5" imgW="152400" imgH="190500" progId="DSEquations">
+                <p:oleObj name="" r:id="rId5" imgW="165100" imgH="190500" progId="DSEquations">
                   <p:embed/>
                   <p:pic>
                     <p:nvPicPr>
@@ -3228,8 +3228,8 @@
                     </p:blipFill>
                     <p:spPr>
                       <a:xfrm>
-                        <a:off x="619760" y="392430"/>
-                        <a:ext cx="152400" cy="190500"/>
+                        <a:off x="613410" y="392430"/>
+                        <a:ext cx="165100" cy="190500"/>
                       </a:xfrm>
                       <a:prstGeom prst="rect">
                         <a:avLst/>
@@ -3256,19 +3256,19 @@
           <p:nvPr/>
         </p:nvGraphicFramePr>
         <p:xfrm>
-          <a:off x="682625" y="68580"/>
-          <a:ext cx="152400" cy="190500"/>
+          <a:off x="676275" y="68580"/>
+          <a:ext cx="165100" cy="190500"/>
         </p:xfrm>
         <a:graphic>
           <a:graphicData uri="http://schemas.openxmlformats.org/presentationml/2006/ole">
             <mc:AlternateContent xmlns:mc="http://schemas.openxmlformats.org/markup-compatibility/2006">
               <mc:Choice xmlns:v="urn:schemas-microsoft-com:vml" Requires="v">
-                <p:oleObj spid="_x0000_s80" name="" r:id="rId7" imgW="152400" imgH="190500" progId="DSEquations">
+                <p:oleObj spid="_x0000_s80" name="" r:id="rId7" imgW="165100" imgH="190500" progId="DSEquations">
                   <p:embed/>
                 </p:oleObj>
               </mc:Choice>
               <mc:Fallback>
-                <p:oleObj name="" r:id="rId7" imgW="152400" imgH="190500" progId="DSEquations">
+                <p:oleObj name="" r:id="rId7" imgW="165100" imgH="190500" progId="DSEquations">
                   <p:embed/>
                   <p:pic>
                     <p:nvPicPr>
@@ -3284,8 +3284,8 @@
                     </p:blipFill>
                     <p:spPr>
                       <a:xfrm>
-                        <a:off x="682625" y="68580"/>
-                        <a:ext cx="152400" cy="190500"/>
+                        <a:off x="676275" y="68580"/>
+                        <a:ext cx="165100" cy="190500"/>
                       </a:xfrm>
                       <a:prstGeom prst="rect">
                         <a:avLst/>
@@ -3312,19 +3312,19 @@
           <p:nvPr/>
         </p:nvGraphicFramePr>
         <p:xfrm>
-          <a:off x="2155190" y="2303780"/>
-          <a:ext cx="393700" cy="215900"/>
+          <a:off x="2149158" y="2303780"/>
+          <a:ext cx="405765" cy="215900"/>
         </p:xfrm>
         <a:graphic>
           <a:graphicData uri="http://schemas.openxmlformats.org/presentationml/2006/ole">
             <mc:AlternateContent xmlns:mc="http://schemas.openxmlformats.org/markup-compatibility/2006">
               <mc:Choice xmlns:v="urn:schemas-microsoft-com:vml" Requires="v">
-                <p:oleObj spid="_x0000_s88" name="" r:id="rId9" imgW="393700" imgH="215900" progId="DSEquations">
+                <p:oleObj spid="_x0000_s88" name="" r:id="rId9" imgW="405765" imgH="215900" progId="DSEquations">
                   <p:embed/>
                 </p:oleObj>
               </mc:Choice>
               <mc:Fallback>
-                <p:oleObj name="" r:id="rId9" imgW="393700" imgH="215900" progId="DSEquations">
+                <p:oleObj name="" r:id="rId9" imgW="405765" imgH="215900" progId="DSEquations">
                   <p:embed/>
                   <p:pic>
                     <p:nvPicPr>
@@ -3340,8 +3340,8 @@
                     </p:blipFill>
                     <p:spPr>
                       <a:xfrm>
-                        <a:off x="2155190" y="2303780"/>
-                        <a:ext cx="393700" cy="215900"/>
+                        <a:off x="2149158" y="2303780"/>
+                        <a:ext cx="405765" cy="215900"/>
                       </a:xfrm>
                       <a:prstGeom prst="rect">
                         <a:avLst/>
@@ -3368,19 +3368,19 @@
           <p:nvPr/>
         </p:nvGraphicFramePr>
         <p:xfrm>
-          <a:off x="2406015" y="1861820"/>
-          <a:ext cx="177165" cy="215900"/>
+          <a:off x="2412048" y="1861820"/>
+          <a:ext cx="165100" cy="215900"/>
         </p:xfrm>
         <a:graphic>
           <a:graphicData uri="http://schemas.openxmlformats.org/presentationml/2006/ole">
             <mc:AlternateContent xmlns:mc="http://schemas.openxmlformats.org/markup-compatibility/2006">
               <mc:Choice xmlns:v="urn:schemas-microsoft-com:vml" Requires="v">
-                <p:oleObj spid="_x0000_s90" name="" r:id="rId11" imgW="177165" imgH="215900" progId="DSEquations">
+                <p:oleObj spid="_x0000_s90" name="" r:id="rId11" imgW="165100" imgH="215900" progId="DSEquations">
                   <p:embed/>
                 </p:oleObj>
               </mc:Choice>
               <mc:Fallback>
-                <p:oleObj name="" r:id="rId11" imgW="177165" imgH="215900" progId="DSEquations">
+                <p:oleObj name="" r:id="rId11" imgW="165100" imgH="215900" progId="DSEquations">
                   <p:embed/>
                   <p:pic>
                     <p:nvPicPr>
@@ -3396,8 +3396,8 @@
                     </p:blipFill>
                     <p:spPr>
                       <a:xfrm>
-                        <a:off x="2406015" y="1861820"/>
-                        <a:ext cx="177165" cy="215900"/>
+                        <a:off x="2412048" y="1861820"/>
+                        <a:ext cx="165100" cy="215900"/>
                       </a:xfrm>
                       <a:prstGeom prst="rect">
                         <a:avLst/>
@@ -3424,19 +3424,19 @@
           <p:nvPr/>
         </p:nvGraphicFramePr>
         <p:xfrm>
-          <a:off x="1333500" y="281940"/>
-          <a:ext cx="368300" cy="215900"/>
+          <a:off x="1333500" y="288290"/>
+          <a:ext cx="368300" cy="203200"/>
         </p:xfrm>
         <a:graphic>
           <a:graphicData uri="http://schemas.openxmlformats.org/presentationml/2006/ole">
             <mc:AlternateContent xmlns:mc="http://schemas.openxmlformats.org/markup-compatibility/2006">
               <mc:Choice xmlns:v="urn:schemas-microsoft-com:vml" Requires="v">
-                <p:oleObj spid="_x0000_s98" name="" r:id="rId13" imgW="368300" imgH="215900" progId="DSEquations">
+                <p:oleObj spid="_x0000_s98" name="" r:id="rId13" imgW="368300" imgH="203200" progId="DSEquations">
                   <p:embed/>
                 </p:oleObj>
               </mc:Choice>
               <mc:Fallback>
-                <p:oleObj name="" r:id="rId13" imgW="368300" imgH="215900" progId="DSEquations">
+                <p:oleObj name="" r:id="rId13" imgW="368300" imgH="203200" progId="DSEquations">
                   <p:embed/>
                   <p:pic>
                     <p:nvPicPr>
@@ -3452,8 +3452,8 @@
                     </p:blipFill>
                     <p:spPr>
                       <a:xfrm>
-                        <a:off x="1333500" y="281940"/>
-                        <a:ext cx="368300" cy="215900"/>
+                        <a:off x="1333500" y="288290"/>
+                        <a:ext cx="368300" cy="203200"/>
                       </a:xfrm>
                       <a:prstGeom prst="rect">
                         <a:avLst/>
